--- a/Documents/방구석낭만_ppt위진영.pptx
+++ b/Documents/방구석낭만_ppt위진영.pptx
@@ -4377,45 +4377,6 @@
       </p:sp>
       <p:grpSp>
         <p:nvGrpSpPr>
-          <p:cNvPr id="1002" name="그룹 1002"/>
-          <p:cNvGrpSpPr/>
-          <p:nvPr/>
-        </p:nvGrpSpPr>
-        <p:grpSpPr>
-          <a:xfrm>
-            <a:off x="1410199" y="1581886"/>
-            <a:ext cx="752757" cy="703828"/>
-            <a:chOff x="1410199" y="1581886"/>
-            <a:chExt cx="752757" cy="703828"/>
-          </a:xfrm>
-        </p:grpSpPr>
-        <p:pic>
-          <p:nvPicPr>
-            <p:cNvPr id="8" name="Object 7"/>
-            <p:cNvPicPr>
-              <a:picLocks noChangeAspect="1"/>
-            </p:cNvPicPr>
-            <p:nvPr/>
-          </p:nvPicPr>
-          <p:blipFill>
-            <a:blip r:embed="rId3" cstate="print"/>
-            <a:stretch>
-              <a:fillRect/>
-            </a:stretch>
-          </p:blipFill>
-          <p:spPr>
-            <a:xfrm rot="-10800000">
-              <a:off x="1410199" y="1581886"/>
-              <a:ext cx="752757" cy="703828"/>
-            </a:xfrm>
-            <a:prstGeom prst="rect">
-              <a:avLst/>
-            </a:prstGeom>
-          </p:spPr>
-        </p:pic>
-      </p:grpSp>
-      <p:grpSp>
-        <p:nvGrpSpPr>
           <p:cNvPr id="1003" name="그룹 1003"/>
           <p:cNvGrpSpPr/>
           <p:nvPr/>
@@ -4437,7 +4398,7 @@
             <p:nvPr/>
           </p:nvPicPr>
           <p:blipFill>
-            <a:blip r:embed="rId4" cstate="print"/>
+            <a:blip r:embed="rId3" cstate="print"/>
             <a:stretch>
               <a:fillRect/>
             </a:stretch>
@@ -4490,47 +4451,6 @@
       </p:sp>
       <p:sp>
         <p:nvSpPr>
-          <p:cNvPr id="15" name="Object 13">
-            <a:extLst>
-              <a:ext uri="{FF2B5EF4-FFF2-40B4-BE49-F238E27FC236}">
-                <a16:creationId xmlns:a16="http://schemas.microsoft.com/office/drawing/2014/main" id="{285295FB-5885-6A4F-88AC-A46730184FB2}"/>
-              </a:ext>
-            </a:extLst>
-          </p:cNvPr>
-          <p:cNvSpPr txBox="1"/>
-          <p:nvPr/>
-        </p:nvSpPr>
-        <p:spPr>
-          <a:xfrm>
-            <a:off x="1372104" y="5245609"/>
-            <a:ext cx="1301461" cy="1241683"/>
-          </a:xfrm>
-          <a:prstGeom prst="rect">
-            <a:avLst/>
-          </a:prstGeom>
-          <a:noFill/>
-        </p:spPr>
-        <p:txBody>
-          <a:bodyPr wrap="square" rtlCol="0"/>
-          <a:lstStyle/>
-          <a:p>
-            <a:pPr algn="just"/>
-            <a:r>
-              <a:rPr lang="en-US" sz="5300" kern="0" spc="-100" dirty="0">
-                <a:solidFill>
-                  <a:srgbClr val="595959"/>
-                </a:solidFill>
-                <a:latin typeface="Cafe24 Dangdanghae" pitchFamily="34" charset="0"/>
-                <a:cs typeface="Cafe24 Dangdanghae" pitchFamily="34" charset="0"/>
-              </a:rPr>
-              <a:t>01</a:t>
-            </a:r>
-            <a:endParaRPr lang="en-US" dirty="0"/>
-          </a:p>
-        </p:txBody>
-      </p:sp>
-      <p:sp>
-        <p:nvSpPr>
           <p:cNvPr id="16" name="Object 14">
             <a:extLst>
               <a:ext uri="{FF2B5EF4-FFF2-40B4-BE49-F238E27FC236}">
@@ -4544,7 +4464,7 @@
         <p:spPr>
           <a:xfrm>
             <a:off x="2324297" y="5472447"/>
-            <a:ext cx="4686103" cy="1241683"/>
+            <a:ext cx="9322131" cy="1241683"/>
           </a:xfrm>
           <a:prstGeom prst="rect">
             <a:avLst/>
@@ -4563,78 +4483,33 @@
                 </a:solidFill>
                 <a:latin typeface="Cafe24 Dangdanghae" pitchFamily="34" charset="0"/>
               </a:rPr>
-              <a:t> 칵테일 레시피 수요가 높음</a:t>
-            </a:r>
-            <a:endParaRPr lang="en-US" dirty="0"/>
-          </a:p>
-        </p:txBody>
-      </p:sp>
-      <p:sp>
-        <p:nvSpPr>
-          <p:cNvPr id="20" name="Object 19">
-            <a:extLst>
-              <a:ext uri="{FF2B5EF4-FFF2-40B4-BE49-F238E27FC236}">
-                <a16:creationId xmlns:a16="http://schemas.microsoft.com/office/drawing/2014/main" id="{D24F9FD1-873B-2E43-A06A-EC8FE9D0DC9D}"/>
-              </a:ext>
-            </a:extLst>
-          </p:cNvPr>
-          <p:cNvSpPr txBox="1"/>
-          <p:nvPr/>
-        </p:nvSpPr>
-        <p:spPr>
-          <a:xfrm>
-            <a:off x="8419723" y="5240845"/>
-            <a:ext cx="1301461" cy="1241683"/>
-          </a:xfrm>
-          <a:prstGeom prst="rect">
-            <a:avLst/>
-          </a:prstGeom>
-          <a:noFill/>
-        </p:spPr>
-        <p:txBody>
-          <a:bodyPr wrap="square" rtlCol="0"/>
-          <a:lstStyle/>
+              <a:t> 칵테일 레시피 정보의 수요가 높지만</a:t>
+            </a:r>
+            <a:endParaRPr lang="en-US" altLang="ko-KR" sz="2900" dirty="0">
+              <a:solidFill>
+                <a:srgbClr val="595959"/>
+              </a:solidFill>
+              <a:latin typeface="Cafe24 Dangdanghae" pitchFamily="34" charset="0"/>
+            </a:endParaRPr>
+          </a:p>
           <a:p>
             <a:pPr algn="just"/>
             <a:r>
-              <a:rPr lang="en-US" sz="5300" kern="0" spc="-100" dirty="0">
+              <a:rPr lang="ko-KR" altLang="en-US" sz="2900" dirty="0">
                 <a:solidFill>
                   <a:srgbClr val="595959"/>
                 </a:solidFill>
                 <a:latin typeface="Cafe24 Dangdanghae" pitchFamily="34" charset="0"/>
-                <a:cs typeface="Cafe24 Dangdanghae" pitchFamily="34" charset="0"/>
-              </a:rPr>
-              <a:t>02</a:t>
-            </a:r>
-            <a:endParaRPr lang="en-US" dirty="0"/>
-          </a:p>
-        </p:txBody>
-      </p:sp>
-      <p:sp>
-        <p:nvSpPr>
-          <p:cNvPr id="21" name="Object 20">
-            <a:extLst>
-              <a:ext uri="{FF2B5EF4-FFF2-40B4-BE49-F238E27FC236}">
-                <a16:creationId xmlns:a16="http://schemas.microsoft.com/office/drawing/2014/main" id="{C3070633-66BA-0243-8B27-9DDF47BE7D23}"/>
-              </a:ext>
-            </a:extLst>
-          </p:cNvPr>
-          <p:cNvSpPr txBox="1"/>
-          <p:nvPr/>
-        </p:nvSpPr>
-        <p:spPr>
-          <a:xfrm>
-            <a:off x="9371916" y="5467684"/>
-            <a:ext cx="4420283" cy="1241683"/>
-          </a:xfrm>
-          <a:prstGeom prst="rect">
-            <a:avLst/>
-          </a:prstGeom>
-          <a:noFill/>
-        </p:spPr>
-        <p:txBody>
-          <a:bodyPr wrap="square" rtlCol="0"/>
-          <a:lstStyle/>
+              </a:rPr>
+              <a:t> </a:t>
+            </a:r>
+            <a:endParaRPr lang="en-US" altLang="ko-KR" sz="2900" dirty="0">
+              <a:solidFill>
+                <a:srgbClr val="595959"/>
+              </a:solidFill>
+              <a:latin typeface="Cafe24 Dangdanghae" pitchFamily="34" charset="0"/>
+            </a:endParaRPr>
+          </a:p>
           <a:p>
             <a:pPr algn="just"/>
             <a:r>
@@ -4644,58 +4519,7 @@
                 </a:solidFill>
                 <a:latin typeface="Cafe24 Dangdanghae" pitchFamily="34" charset="0"/>
               </a:rPr>
-              <a:t> 수요에 비해 공급이 적음</a:t>
-            </a:r>
-            <a:endParaRPr lang="en-US" dirty="0"/>
-          </a:p>
-        </p:txBody>
-      </p:sp>
-      <p:sp>
-        <p:nvSpPr>
-          <p:cNvPr id="17" name="Object 19">
-            <a:extLst>
-              <a:ext uri="{FF2B5EF4-FFF2-40B4-BE49-F238E27FC236}">
-                <a16:creationId xmlns:a16="http://schemas.microsoft.com/office/drawing/2014/main" id="{27173F3A-B74E-F847-B079-54DD89310FCD}"/>
-              </a:ext>
-            </a:extLst>
-          </p:cNvPr>
-          <p:cNvSpPr txBox="1"/>
-          <p:nvPr/>
-        </p:nvSpPr>
-        <p:spPr>
-          <a:xfrm>
-            <a:off x="1372104" y="7072056"/>
-            <a:ext cx="1301461" cy="1241683"/>
-          </a:xfrm>
-          <a:prstGeom prst="rect">
-            <a:avLst/>
-          </a:prstGeom>
-          <a:noFill/>
-        </p:spPr>
-        <p:txBody>
-          <a:bodyPr wrap="square" rtlCol="0"/>
-          <a:lstStyle/>
-          <a:p>
-            <a:pPr algn="just"/>
-            <a:r>
-              <a:rPr lang="en-US" sz="5300" kern="0" spc="-100" dirty="0">
-                <a:solidFill>
-                  <a:srgbClr val="595959"/>
-                </a:solidFill>
-                <a:latin typeface="Cafe24 Dangdanghae" pitchFamily="34" charset="0"/>
-                <a:cs typeface="Cafe24 Dangdanghae" pitchFamily="34" charset="0"/>
-              </a:rPr>
-              <a:t>0</a:t>
-            </a:r>
-            <a:r>
-              <a:rPr lang="en-US" altLang="ko-KR" sz="5300" kern="0" spc="-100" dirty="0">
-                <a:solidFill>
-                  <a:srgbClr val="595959"/>
-                </a:solidFill>
-                <a:latin typeface="Cafe24 Dangdanghae" pitchFamily="34" charset="0"/>
-                <a:cs typeface="Cafe24 Dangdanghae" pitchFamily="34" charset="0"/>
-              </a:rPr>
-              <a:t>3</a:t>
+              <a:t> 적절한 공급이 부족하다</a:t>
             </a:r>
             <a:endParaRPr lang="en-US" dirty="0"/>
           </a:p>
@@ -4715,7 +4539,7 @@
         </p:nvSpPr>
         <p:spPr>
           <a:xfrm>
-            <a:off x="2324297" y="7298895"/>
+            <a:off x="2314358" y="7786867"/>
             <a:ext cx="8877103" cy="1163989"/>
           </a:xfrm>
           <a:prstGeom prst="rect">
@@ -4741,6 +4565,123 @@
           </a:p>
         </p:txBody>
       </p:sp>
+      <p:pic>
+        <p:nvPicPr>
+          <p:cNvPr id="4" name="그래픽 3" descr="Arrow Down 단색으로 채워진">
+            <a:extLst>
+              <a:ext uri="{FF2B5EF4-FFF2-40B4-BE49-F238E27FC236}">
+                <a16:creationId xmlns:a16="http://schemas.microsoft.com/office/drawing/2014/main" id="{4C4B0BC7-D9C5-3842-98C4-51267F3E0F16}"/>
+              </a:ext>
+            </a:extLst>
+          </p:cNvPr>
+          <p:cNvPicPr>
+            <a:picLocks noChangeAspect="1"/>
+          </p:cNvPicPr>
+          <p:nvPr/>
+        </p:nvPicPr>
+        <p:blipFill>
+          <a:blip r:embed="rId4">
+            <a:extLst>
+              <a:ext uri="{28A0092B-C50C-407E-A947-70E740481C1C}">
+                <a14:useLocalDpi xmlns:a14="http://schemas.microsoft.com/office/drawing/2010/main" val="0"/>
+              </a:ext>
+              <a:ext uri="{96DAC541-7B7A-43D3-8B79-37D633B846F1}">
+                <asvg:svgBlip xmlns:asvg="http://schemas.microsoft.com/office/drawing/2016/SVG/main" r:embed="rId5"/>
+              </a:ext>
+            </a:extLst>
+          </a:blip>
+          <a:stretch>
+            <a:fillRect/>
+          </a:stretch>
+        </p:blipFill>
+        <p:spPr>
+          <a:xfrm>
+            <a:off x="6070962" y="6137313"/>
+            <a:ext cx="914400" cy="914400"/>
+          </a:xfrm>
+          <a:prstGeom prst="rect">
+            <a:avLst/>
+          </a:prstGeom>
+        </p:spPr>
+      </p:pic>
+      <p:pic>
+        <p:nvPicPr>
+          <p:cNvPr id="9" name="그래픽 8" descr="Arrow Up 단색으로 채워진">
+            <a:extLst>
+              <a:ext uri="{FF2B5EF4-FFF2-40B4-BE49-F238E27FC236}">
+                <a16:creationId xmlns:a16="http://schemas.microsoft.com/office/drawing/2014/main" id="{01B0E0CD-7476-AD45-A4D6-549CBD7EB188}"/>
+              </a:ext>
+            </a:extLst>
+          </p:cNvPr>
+          <p:cNvPicPr>
+            <a:picLocks noChangeAspect="1"/>
+          </p:cNvPicPr>
+          <p:nvPr/>
+        </p:nvPicPr>
+        <p:blipFill>
+          <a:blip r:embed="rId6">
+            <a:extLst>
+              <a:ext uri="{28A0092B-C50C-407E-A947-70E740481C1C}">
+                <a14:useLocalDpi xmlns:a14="http://schemas.microsoft.com/office/drawing/2010/main" val="0"/>
+              </a:ext>
+              <a:ext uri="{96DAC541-7B7A-43D3-8B79-37D633B846F1}">
+                <asvg:svgBlip xmlns:asvg="http://schemas.microsoft.com/office/drawing/2016/SVG/main" r:embed="rId7"/>
+              </a:ext>
+            </a:extLst>
+          </a:blip>
+          <a:stretch>
+            <a:fillRect/>
+          </a:stretch>
+        </p:blipFill>
+        <p:spPr>
+          <a:xfrm>
+            <a:off x="8178788" y="5222913"/>
+            <a:ext cx="914400" cy="914400"/>
+          </a:xfrm>
+          <a:prstGeom prst="rect">
+            <a:avLst/>
+          </a:prstGeom>
+        </p:spPr>
+      </p:pic>
+      <p:pic>
+        <p:nvPicPr>
+          <p:cNvPr id="11" name="그래픽 10" descr="막대 그래프 상향 추세 단색으로 채워진">
+            <a:extLst>
+              <a:ext uri="{FF2B5EF4-FFF2-40B4-BE49-F238E27FC236}">
+                <a16:creationId xmlns:a16="http://schemas.microsoft.com/office/drawing/2014/main" id="{A4E88214-00F3-CE4B-821E-B0882A5B9B76}"/>
+              </a:ext>
+            </a:extLst>
+          </p:cNvPr>
+          <p:cNvPicPr>
+            <a:picLocks noChangeAspect="1"/>
+          </p:cNvPicPr>
+          <p:nvPr/>
+        </p:nvPicPr>
+        <p:blipFill>
+          <a:blip r:embed="rId8">
+            <a:extLst>
+              <a:ext uri="{28A0092B-C50C-407E-A947-70E740481C1C}">
+                <a14:useLocalDpi xmlns:a14="http://schemas.microsoft.com/office/drawing/2010/main" val="0"/>
+              </a:ext>
+              <a:ext uri="{96DAC541-7B7A-43D3-8B79-37D633B846F1}">
+                <asvg:svgBlip xmlns:asvg="http://schemas.microsoft.com/office/drawing/2016/SVG/main" r:embed="rId9"/>
+              </a:ext>
+            </a:extLst>
+          </a:blip>
+          <a:stretch>
+            <a:fillRect/>
+          </a:stretch>
+        </p:blipFill>
+        <p:spPr>
+          <a:xfrm>
+            <a:off x="10824115" y="7579510"/>
+            <a:ext cx="914400" cy="914400"/>
+          </a:xfrm>
+          <a:prstGeom prst="rect">
+            <a:avLst/>
+          </a:prstGeom>
+        </p:spPr>
+      </p:pic>
     </p:spTree>
     <p:extLst>
       <p:ext uri="{BB962C8B-B14F-4D97-AF65-F5344CB8AC3E}">
@@ -5938,51 +5879,6 @@
       </p:sp>
       <p:sp>
         <p:nvSpPr>
-          <p:cNvPr id="10" name="Object 10"/>
-          <p:cNvSpPr txBox="1"/>
-          <p:nvPr/>
-        </p:nvSpPr>
-        <p:spPr>
-          <a:xfrm>
-            <a:off x="1353056" y="2071360"/>
-            <a:ext cx="4598987" cy="4763456"/>
-          </a:xfrm>
-          <a:prstGeom prst="rect">
-            <a:avLst/>
-          </a:prstGeom>
-          <a:noFill/>
-        </p:spPr>
-        <p:txBody>
-          <a:bodyPr wrap="square" rtlCol="0"/>
-          <a:lstStyle/>
-          <a:p>
-            <a:pPr algn="just"/>
-            <a:r>
-              <a:rPr lang="en-US" sz="20300" dirty="0">
-                <a:solidFill>
-                  <a:srgbClr val="595959"/>
-                </a:solidFill>
-                <a:latin typeface="Cafe24 Dangdanghae" pitchFamily="34" charset="0"/>
-                <a:cs typeface="Cafe24 Dangdanghae" pitchFamily="34" charset="0"/>
-              </a:rPr>
-              <a:t>0</a:t>
-            </a:r>
-            <a:r>
-              <a:rPr lang="en-US" altLang="ko-KR" sz="20300" dirty="0">
-                <a:solidFill>
-                  <a:srgbClr val="595959"/>
-                </a:solidFill>
-                <a:latin typeface="Cafe24 Dangdanghae" pitchFamily="34" charset="0"/>
-                <a:cs typeface="Cafe24 Dangdanghae" pitchFamily="34" charset="0"/>
-              </a:rPr>
-              <a:t>2</a:t>
-            </a:r>
-            <a:endParaRPr lang="en-US" dirty="0"/>
-          </a:p>
-        </p:txBody>
-      </p:sp>
-      <p:sp>
-        <p:nvSpPr>
           <p:cNvPr id="11" name="Object 11"/>
           <p:cNvSpPr txBox="1"/>
           <p:nvPr/>
@@ -6178,6 +6074,45 @@
           </a:p>
         </p:txBody>
       </p:sp>
+      <p:pic>
+        <p:nvPicPr>
+          <p:cNvPr id="4" name="그래픽 3" descr="프레젠테이션 체크리스트 단색으로 채워진">
+            <a:extLst>
+              <a:ext uri="{FF2B5EF4-FFF2-40B4-BE49-F238E27FC236}">
+                <a16:creationId xmlns:a16="http://schemas.microsoft.com/office/drawing/2014/main" id="{566D2250-C909-9A4F-A002-6F9BA65DE251}"/>
+              </a:ext>
+            </a:extLst>
+          </p:cNvPr>
+          <p:cNvPicPr>
+            <a:picLocks noChangeAspect="1"/>
+          </p:cNvPicPr>
+          <p:nvPr/>
+        </p:nvPicPr>
+        <p:blipFill>
+          <a:blip r:embed="rId5">
+            <a:extLst>
+              <a:ext uri="{28A0092B-C50C-407E-A947-70E740481C1C}">
+                <a14:useLocalDpi xmlns:a14="http://schemas.microsoft.com/office/drawing/2010/main" val="0"/>
+              </a:ext>
+              <a:ext uri="{96DAC541-7B7A-43D3-8B79-37D633B846F1}">
+                <asvg:svgBlip xmlns:asvg="http://schemas.microsoft.com/office/drawing/2016/SVG/main" r:embed="rId6"/>
+              </a:ext>
+            </a:extLst>
+          </a:blip>
+          <a:stretch>
+            <a:fillRect/>
+          </a:stretch>
+        </p:blipFill>
+        <p:spPr>
+          <a:xfrm>
+            <a:off x="1372104" y="2349044"/>
+            <a:ext cx="2791420" cy="2318825"/>
+          </a:xfrm>
+          <a:prstGeom prst="rect">
+            <a:avLst/>
+          </a:prstGeom>
+        </p:spPr>
+      </p:pic>
     </p:spTree>
   </p:cSld>
   <p:clrMapOvr>
@@ -6320,45 +6255,6 @@
       </p:sp>
       <p:grpSp>
         <p:nvGrpSpPr>
-          <p:cNvPr id="1002" name="그룹 1002"/>
-          <p:cNvGrpSpPr/>
-          <p:nvPr/>
-        </p:nvGrpSpPr>
-        <p:grpSpPr>
-          <a:xfrm>
-            <a:off x="1410199" y="1581886"/>
-            <a:ext cx="752757" cy="703828"/>
-            <a:chOff x="1410199" y="1581886"/>
-            <a:chExt cx="752757" cy="703828"/>
-          </a:xfrm>
-        </p:grpSpPr>
-        <p:pic>
-          <p:nvPicPr>
-            <p:cNvPr id="8" name="Object 7"/>
-            <p:cNvPicPr>
-              <a:picLocks noChangeAspect="1"/>
-            </p:cNvPicPr>
-            <p:nvPr/>
-          </p:nvPicPr>
-          <p:blipFill>
-            <a:blip r:embed="rId3" cstate="print"/>
-            <a:stretch>
-              <a:fillRect/>
-            </a:stretch>
-          </p:blipFill>
-          <p:spPr>
-            <a:xfrm rot="-10800000">
-              <a:off x="1410199" y="1581886"/>
-              <a:ext cx="752757" cy="703828"/>
-            </a:xfrm>
-            <a:prstGeom prst="rect">
-              <a:avLst/>
-            </a:prstGeom>
-          </p:spPr>
-        </p:pic>
-      </p:grpSp>
-      <p:grpSp>
-        <p:nvGrpSpPr>
           <p:cNvPr id="1003" name="그룹 1003"/>
           <p:cNvGrpSpPr/>
           <p:nvPr/>
@@ -6380,7 +6276,7 @@
             <p:nvPr/>
           </p:nvPicPr>
           <p:blipFill>
-            <a:blip r:embed="rId4" cstate="print"/>
+            <a:blip r:embed="rId3" cstate="print"/>
             <a:stretch>
               <a:fillRect/>
             </a:stretch>
@@ -6433,47 +6329,6 @@
       </p:sp>
       <p:sp>
         <p:nvSpPr>
-          <p:cNvPr id="15" name="Object 13">
-            <a:extLst>
-              <a:ext uri="{FF2B5EF4-FFF2-40B4-BE49-F238E27FC236}">
-                <a16:creationId xmlns:a16="http://schemas.microsoft.com/office/drawing/2014/main" id="{285295FB-5885-6A4F-88AC-A46730184FB2}"/>
-              </a:ext>
-            </a:extLst>
-          </p:cNvPr>
-          <p:cNvSpPr txBox="1"/>
-          <p:nvPr/>
-        </p:nvSpPr>
-        <p:spPr>
-          <a:xfrm>
-            <a:off x="1372104" y="5245609"/>
-            <a:ext cx="1301461" cy="1241683"/>
-          </a:xfrm>
-          <a:prstGeom prst="rect">
-            <a:avLst/>
-          </a:prstGeom>
-          <a:noFill/>
-        </p:spPr>
-        <p:txBody>
-          <a:bodyPr wrap="square" rtlCol="0"/>
-          <a:lstStyle/>
-          <a:p>
-            <a:pPr algn="just"/>
-            <a:r>
-              <a:rPr lang="en-US" sz="5300" kern="0" spc="-100" dirty="0">
-                <a:solidFill>
-                  <a:srgbClr val="595959"/>
-                </a:solidFill>
-                <a:latin typeface="Cafe24 Dangdanghae" pitchFamily="34" charset="0"/>
-                <a:cs typeface="Cafe24 Dangdanghae" pitchFamily="34" charset="0"/>
-              </a:rPr>
-              <a:t>01</a:t>
-            </a:r>
-            <a:endParaRPr lang="en-US" dirty="0"/>
-          </a:p>
-        </p:txBody>
-      </p:sp>
-      <p:sp>
-        <p:nvSpPr>
           <p:cNvPr id="16" name="Object 14">
             <a:extLst>
               <a:ext uri="{FF2B5EF4-FFF2-40B4-BE49-F238E27FC236}">
@@ -6514,47 +6369,6 @@
       </p:sp>
       <p:sp>
         <p:nvSpPr>
-          <p:cNvPr id="20" name="Object 19">
-            <a:extLst>
-              <a:ext uri="{FF2B5EF4-FFF2-40B4-BE49-F238E27FC236}">
-                <a16:creationId xmlns:a16="http://schemas.microsoft.com/office/drawing/2014/main" id="{D24F9FD1-873B-2E43-A06A-EC8FE9D0DC9D}"/>
-              </a:ext>
-            </a:extLst>
-          </p:cNvPr>
-          <p:cNvSpPr txBox="1"/>
-          <p:nvPr/>
-        </p:nvSpPr>
-        <p:spPr>
-          <a:xfrm>
-            <a:off x="8419723" y="5240845"/>
-            <a:ext cx="1301461" cy="1241683"/>
-          </a:xfrm>
-          <a:prstGeom prst="rect">
-            <a:avLst/>
-          </a:prstGeom>
-          <a:noFill/>
-        </p:spPr>
-        <p:txBody>
-          <a:bodyPr wrap="square" rtlCol="0"/>
-          <a:lstStyle/>
-          <a:p>
-            <a:pPr algn="just"/>
-            <a:r>
-              <a:rPr lang="en-US" sz="5300" kern="0" spc="-100" dirty="0">
-                <a:solidFill>
-                  <a:srgbClr val="595959"/>
-                </a:solidFill>
-                <a:latin typeface="Cafe24 Dangdanghae" pitchFamily="34" charset="0"/>
-                <a:cs typeface="Cafe24 Dangdanghae" pitchFamily="34" charset="0"/>
-              </a:rPr>
-              <a:t>02</a:t>
-            </a:r>
-            <a:endParaRPr lang="en-US" dirty="0"/>
-          </a:p>
-        </p:txBody>
-      </p:sp>
-      <p:sp>
-        <p:nvSpPr>
           <p:cNvPr id="21" name="Object 20">
             <a:extLst>
               <a:ext uri="{FF2B5EF4-FFF2-40B4-BE49-F238E27FC236}">
@@ -6567,7 +6381,7 @@
         </p:nvSpPr>
         <p:spPr>
           <a:xfrm>
-            <a:off x="9371916" y="5467684"/>
+            <a:off x="9475693" y="5350332"/>
             <a:ext cx="3673077" cy="682981"/>
           </a:xfrm>
           <a:prstGeom prst="rect">
@@ -6593,6 +6407,84 @@
           </a:p>
         </p:txBody>
       </p:sp>
+      <p:pic>
+        <p:nvPicPr>
+          <p:cNvPr id="9" name="그래픽 8" descr="블로그 윤곽선">
+            <a:extLst>
+              <a:ext uri="{FF2B5EF4-FFF2-40B4-BE49-F238E27FC236}">
+                <a16:creationId xmlns:a16="http://schemas.microsoft.com/office/drawing/2014/main" id="{23FA142A-DB48-2C4E-AF8E-93D800A6441E}"/>
+              </a:ext>
+            </a:extLst>
+          </p:cNvPr>
+          <p:cNvPicPr>
+            <a:picLocks noChangeAspect="1"/>
+          </p:cNvPicPr>
+          <p:nvPr/>
+        </p:nvPicPr>
+        <p:blipFill>
+          <a:blip r:embed="rId4">
+            <a:extLst>
+              <a:ext uri="{28A0092B-C50C-407E-A947-70E740481C1C}">
+                <a14:useLocalDpi xmlns:a14="http://schemas.microsoft.com/office/drawing/2010/main" val="0"/>
+              </a:ext>
+              <a:ext uri="{96DAC541-7B7A-43D3-8B79-37D633B846F1}">
+                <asvg:svgBlip xmlns:asvg="http://schemas.microsoft.com/office/drawing/2016/SVG/main" r:embed="rId5"/>
+              </a:ext>
+            </a:extLst>
+          </a:blip>
+          <a:stretch>
+            <a:fillRect/>
+          </a:stretch>
+        </p:blipFill>
+        <p:spPr>
+          <a:xfrm>
+            <a:off x="1347467" y="5196062"/>
+            <a:ext cx="914400" cy="914400"/>
+          </a:xfrm>
+          <a:prstGeom prst="rect">
+            <a:avLst/>
+          </a:prstGeom>
+        </p:spPr>
+      </p:pic>
+      <p:pic>
+        <p:nvPicPr>
+          <p:cNvPr id="18" name="그래픽 17" descr="정보 단색으로 채워진">
+            <a:extLst>
+              <a:ext uri="{FF2B5EF4-FFF2-40B4-BE49-F238E27FC236}">
+                <a16:creationId xmlns:a16="http://schemas.microsoft.com/office/drawing/2014/main" id="{E11CF69D-527D-5548-8123-46F165A565A6}"/>
+              </a:ext>
+            </a:extLst>
+          </p:cNvPr>
+          <p:cNvPicPr>
+            <a:picLocks noChangeAspect="1"/>
+          </p:cNvPicPr>
+          <p:nvPr/>
+        </p:nvPicPr>
+        <p:blipFill>
+          <a:blip r:embed="rId6">
+            <a:extLst>
+              <a:ext uri="{28A0092B-C50C-407E-A947-70E740481C1C}">
+                <a14:useLocalDpi xmlns:a14="http://schemas.microsoft.com/office/drawing/2010/main" val="0"/>
+              </a:ext>
+              <a:ext uri="{96DAC541-7B7A-43D3-8B79-37D633B846F1}">
+                <asvg:svgBlip xmlns:asvg="http://schemas.microsoft.com/office/drawing/2016/SVG/main" r:embed="rId7"/>
+              </a:ext>
+            </a:extLst>
+          </a:blip>
+          <a:stretch>
+            <a:fillRect/>
+          </a:stretch>
+        </p:blipFill>
+        <p:spPr>
+          <a:xfrm>
+            <a:off x="8561293" y="5105403"/>
+            <a:ext cx="914400" cy="914400"/>
+          </a:xfrm>
+          <a:prstGeom prst="rect">
+            <a:avLst/>
+          </a:prstGeom>
+        </p:spPr>
+      </p:pic>
     </p:spTree>
   </p:cSld>
   <p:clrMapOvr>
@@ -6735,45 +6627,6 @@
       </p:sp>
       <p:grpSp>
         <p:nvGrpSpPr>
-          <p:cNvPr id="1002" name="그룹 1002"/>
-          <p:cNvGrpSpPr/>
-          <p:nvPr/>
-        </p:nvGrpSpPr>
-        <p:grpSpPr>
-          <a:xfrm>
-            <a:off x="1410199" y="1581886"/>
-            <a:ext cx="752757" cy="703828"/>
-            <a:chOff x="1410199" y="1581886"/>
-            <a:chExt cx="752757" cy="703828"/>
-          </a:xfrm>
-        </p:grpSpPr>
-        <p:pic>
-          <p:nvPicPr>
-            <p:cNvPr id="8" name="Object 7"/>
-            <p:cNvPicPr>
-              <a:picLocks noChangeAspect="1"/>
-            </p:cNvPicPr>
-            <p:nvPr/>
-          </p:nvPicPr>
-          <p:blipFill>
-            <a:blip r:embed="rId3" cstate="print"/>
-            <a:stretch>
-              <a:fillRect/>
-            </a:stretch>
-          </p:blipFill>
-          <p:spPr>
-            <a:xfrm rot="-10800000">
-              <a:off x="1410199" y="1581886"/>
-              <a:ext cx="752757" cy="703828"/>
-            </a:xfrm>
-            <a:prstGeom prst="rect">
-              <a:avLst/>
-            </a:prstGeom>
-          </p:spPr>
-        </p:pic>
-      </p:grpSp>
-      <p:grpSp>
-        <p:nvGrpSpPr>
           <p:cNvPr id="1003" name="그룹 1003"/>
           <p:cNvGrpSpPr/>
           <p:nvPr/>
@@ -6795,7 +6648,7 @@
             <p:nvPr/>
           </p:nvPicPr>
           <p:blipFill>
-            <a:blip r:embed="rId4" cstate="print"/>
+            <a:blip r:embed="rId3" cstate="print"/>
             <a:stretch>
               <a:fillRect/>
             </a:stretch>
@@ -6848,47 +6701,6 @@
       </p:sp>
       <p:sp>
         <p:nvSpPr>
-          <p:cNvPr id="15" name="Object 13">
-            <a:extLst>
-              <a:ext uri="{FF2B5EF4-FFF2-40B4-BE49-F238E27FC236}">
-                <a16:creationId xmlns:a16="http://schemas.microsoft.com/office/drawing/2014/main" id="{285295FB-5885-6A4F-88AC-A46730184FB2}"/>
-              </a:ext>
-            </a:extLst>
-          </p:cNvPr>
-          <p:cNvSpPr txBox="1"/>
-          <p:nvPr/>
-        </p:nvSpPr>
-        <p:spPr>
-          <a:xfrm>
-            <a:off x="1372104" y="5245609"/>
-            <a:ext cx="1301461" cy="1241683"/>
-          </a:xfrm>
-          <a:prstGeom prst="rect">
-            <a:avLst/>
-          </a:prstGeom>
-          <a:noFill/>
-        </p:spPr>
-        <p:txBody>
-          <a:bodyPr wrap="square" rtlCol="0"/>
-          <a:lstStyle/>
-          <a:p>
-            <a:pPr algn="just"/>
-            <a:r>
-              <a:rPr lang="en-US" sz="5300" kern="0" spc="-100" dirty="0">
-                <a:solidFill>
-                  <a:srgbClr val="595959"/>
-                </a:solidFill>
-                <a:latin typeface="Cafe24 Dangdanghae" pitchFamily="34" charset="0"/>
-                <a:cs typeface="Cafe24 Dangdanghae" pitchFamily="34" charset="0"/>
-              </a:rPr>
-              <a:t>01</a:t>
-            </a:r>
-            <a:endParaRPr lang="en-US" dirty="0"/>
-          </a:p>
-        </p:txBody>
-      </p:sp>
-      <p:sp>
-        <p:nvSpPr>
           <p:cNvPr id="16" name="Object 14">
             <a:extLst>
               <a:ext uri="{FF2B5EF4-FFF2-40B4-BE49-F238E27FC236}">
@@ -6902,7 +6714,7 @@
         <p:spPr>
           <a:xfrm>
             <a:off x="2324297" y="5472447"/>
-            <a:ext cx="4686103" cy="1241683"/>
+            <a:ext cx="4292931" cy="1241683"/>
           </a:xfrm>
           <a:prstGeom prst="rect">
             <a:avLst/>
@@ -6949,47 +6761,6 @@
                 <a:latin typeface="Cafe24 Dangdanghae" pitchFamily="34" charset="0"/>
               </a:rPr>
               <a:t> 사용자 편의성 증가</a:t>
-            </a:r>
-            <a:endParaRPr lang="en-US" dirty="0"/>
-          </a:p>
-        </p:txBody>
-      </p:sp>
-      <p:sp>
-        <p:nvSpPr>
-          <p:cNvPr id="20" name="Object 19">
-            <a:extLst>
-              <a:ext uri="{FF2B5EF4-FFF2-40B4-BE49-F238E27FC236}">
-                <a16:creationId xmlns:a16="http://schemas.microsoft.com/office/drawing/2014/main" id="{D24F9FD1-873B-2E43-A06A-EC8FE9D0DC9D}"/>
-              </a:ext>
-            </a:extLst>
-          </p:cNvPr>
-          <p:cNvSpPr txBox="1"/>
-          <p:nvPr/>
-        </p:nvSpPr>
-        <p:spPr>
-          <a:xfrm>
-            <a:off x="8419723" y="5240845"/>
-            <a:ext cx="1301461" cy="1241683"/>
-          </a:xfrm>
-          <a:prstGeom prst="rect">
-            <a:avLst/>
-          </a:prstGeom>
-          <a:noFill/>
-        </p:spPr>
-        <p:txBody>
-          <a:bodyPr wrap="square" rtlCol="0"/>
-          <a:lstStyle/>
-          <a:p>
-            <a:pPr algn="just"/>
-            <a:r>
-              <a:rPr lang="en-US" sz="5300" kern="0" spc="-100" dirty="0">
-                <a:solidFill>
-                  <a:srgbClr val="595959"/>
-                </a:solidFill>
-                <a:latin typeface="Cafe24 Dangdanghae" pitchFamily="34" charset="0"/>
-                <a:cs typeface="Cafe24 Dangdanghae" pitchFamily="34" charset="0"/>
-              </a:rPr>
-              <a:t>02</a:t>
             </a:r>
             <a:endParaRPr lang="en-US" dirty="0"/>
           </a:p>
@@ -7010,7 +6781,7 @@
         <p:spPr>
           <a:xfrm>
             <a:off x="9371916" y="5467684"/>
-            <a:ext cx="4496484" cy="1014844"/>
+            <a:ext cx="4845446" cy="1014844"/>
           </a:xfrm>
           <a:prstGeom prst="rect">
             <a:avLst/>
@@ -7039,57 +6810,6 @@
                 <a:latin typeface="Cafe24 Dangdanghae" pitchFamily="34" charset="0"/>
               </a:rPr>
               <a:t>가독성</a:t>
-            </a:r>
-            <a:endParaRPr lang="en-US" dirty="0"/>
-          </a:p>
-        </p:txBody>
-      </p:sp>
-      <p:sp>
-        <p:nvSpPr>
-          <p:cNvPr id="17" name="Object 19">
-            <a:extLst>
-              <a:ext uri="{FF2B5EF4-FFF2-40B4-BE49-F238E27FC236}">
-                <a16:creationId xmlns:a16="http://schemas.microsoft.com/office/drawing/2014/main" id="{BF65A5C6-7518-D34C-BEEF-231755A0AAE5}"/>
-              </a:ext>
-            </a:extLst>
-          </p:cNvPr>
-          <p:cNvSpPr txBox="1"/>
-          <p:nvPr/>
-        </p:nvSpPr>
-        <p:spPr>
-          <a:xfrm>
-            <a:off x="1372104" y="7364560"/>
-            <a:ext cx="1301461" cy="1241683"/>
-          </a:xfrm>
-          <a:prstGeom prst="rect">
-            <a:avLst/>
-          </a:prstGeom>
-          <a:noFill/>
-        </p:spPr>
-        <p:txBody>
-          <a:bodyPr wrap="square" rtlCol="0"/>
-          <a:lstStyle/>
-          <a:p>
-            <a:pPr algn="just"/>
-            <a:r>
-              <a:rPr lang="en-US" sz="5300" kern="0" spc="-100" dirty="0">
-                <a:solidFill>
-                  <a:srgbClr val="595959"/>
-                </a:solidFill>
-                <a:latin typeface="Cafe24 Dangdanghae" pitchFamily="34" charset="0"/>
-                <a:cs typeface="Cafe24 Dangdanghae" pitchFamily="34" charset="0"/>
-              </a:rPr>
-              <a:t>0</a:t>
-            </a:r>
-            <a:r>
-              <a:rPr lang="en-US" altLang="ko-KR" sz="5300" kern="0" spc="-100" dirty="0">
-                <a:solidFill>
-                  <a:srgbClr val="595959"/>
-                </a:solidFill>
-                <a:latin typeface="Cafe24 Dangdanghae" pitchFamily="34" charset="0"/>
-                <a:cs typeface="Cafe24 Dangdanghae" pitchFamily="34" charset="0"/>
-              </a:rPr>
-              <a:t>3</a:t>
             </a:r>
             <a:endParaRPr lang="en-US" dirty="0"/>
           </a:p>
@@ -7166,6 +6886,123 @@
           </a:p>
         </p:txBody>
       </p:sp>
+      <p:pic>
+        <p:nvPicPr>
+          <p:cNvPr id="9" name="그래픽 8" descr="필터 단색으로 채워진">
+            <a:extLst>
+              <a:ext uri="{FF2B5EF4-FFF2-40B4-BE49-F238E27FC236}">
+                <a16:creationId xmlns:a16="http://schemas.microsoft.com/office/drawing/2014/main" id="{247D1453-FA8A-B34E-9E15-12C084BCBBBC}"/>
+              </a:ext>
+            </a:extLst>
+          </p:cNvPr>
+          <p:cNvPicPr>
+            <a:picLocks noChangeAspect="1"/>
+          </p:cNvPicPr>
+          <p:nvPr/>
+        </p:nvPicPr>
+        <p:blipFill>
+          <a:blip r:embed="rId4">
+            <a:extLst>
+              <a:ext uri="{28A0092B-C50C-407E-A947-70E740481C1C}">
+                <a14:useLocalDpi xmlns:a14="http://schemas.microsoft.com/office/drawing/2010/main" val="0"/>
+              </a:ext>
+              <a:ext uri="{96DAC541-7B7A-43D3-8B79-37D633B846F1}">
+                <asvg:svgBlip xmlns:asvg="http://schemas.microsoft.com/office/drawing/2016/SVG/main" r:embed="rId5"/>
+              </a:ext>
+            </a:extLst>
+          </a:blip>
+          <a:stretch>
+            <a:fillRect/>
+          </a:stretch>
+        </p:blipFill>
+        <p:spPr>
+          <a:xfrm>
+            <a:off x="1339447" y="5467684"/>
+            <a:ext cx="914400" cy="1138539"/>
+          </a:xfrm>
+          <a:prstGeom prst="rect">
+            <a:avLst/>
+          </a:prstGeom>
+        </p:spPr>
+      </p:pic>
+      <p:pic>
+        <p:nvPicPr>
+          <p:cNvPr id="11" name="그래픽 10" descr="이미지 윤곽선">
+            <a:extLst>
+              <a:ext uri="{FF2B5EF4-FFF2-40B4-BE49-F238E27FC236}">
+                <a16:creationId xmlns:a16="http://schemas.microsoft.com/office/drawing/2014/main" id="{76A0E377-E85D-AC4D-B4E1-6E279718FDFF}"/>
+              </a:ext>
+            </a:extLst>
+          </p:cNvPr>
+          <p:cNvPicPr>
+            <a:picLocks noChangeAspect="1"/>
+          </p:cNvPicPr>
+          <p:nvPr/>
+        </p:nvPicPr>
+        <p:blipFill>
+          <a:blip r:embed="rId6">
+            <a:extLst>
+              <a:ext uri="{28A0092B-C50C-407E-A947-70E740481C1C}">
+                <a14:useLocalDpi xmlns:a14="http://schemas.microsoft.com/office/drawing/2010/main" val="0"/>
+              </a:ext>
+              <a:ext uri="{96DAC541-7B7A-43D3-8B79-37D633B846F1}">
+                <asvg:svgBlip xmlns:asvg="http://schemas.microsoft.com/office/drawing/2016/SVG/main" r:embed="rId7"/>
+              </a:ext>
+            </a:extLst>
+          </a:blip>
+          <a:stretch>
+            <a:fillRect/>
+          </a:stretch>
+        </p:blipFill>
+        <p:spPr>
+          <a:xfrm>
+            <a:off x="8297686" y="5467684"/>
+            <a:ext cx="914400" cy="914400"/>
+          </a:xfrm>
+          <a:prstGeom prst="rect">
+            <a:avLst/>
+          </a:prstGeom>
+        </p:spPr>
+      </p:pic>
+      <p:pic>
+        <p:nvPicPr>
+          <p:cNvPr id="22" name="그래픽 21" descr="채팅 단색으로 채워진">
+            <a:extLst>
+              <a:ext uri="{FF2B5EF4-FFF2-40B4-BE49-F238E27FC236}">
+                <a16:creationId xmlns:a16="http://schemas.microsoft.com/office/drawing/2014/main" id="{9CAC83DE-44FB-7047-8EB2-9141EE99D76F}"/>
+              </a:ext>
+            </a:extLst>
+          </p:cNvPr>
+          <p:cNvPicPr>
+            <a:picLocks noChangeAspect="1"/>
+          </p:cNvPicPr>
+          <p:nvPr/>
+        </p:nvPicPr>
+        <p:blipFill>
+          <a:blip r:embed="rId8">
+            <a:extLst>
+              <a:ext uri="{28A0092B-C50C-407E-A947-70E740481C1C}">
+                <a14:useLocalDpi xmlns:a14="http://schemas.microsoft.com/office/drawing/2010/main" val="0"/>
+              </a:ext>
+              <a:ext uri="{96DAC541-7B7A-43D3-8B79-37D633B846F1}">
+                <asvg:svgBlip xmlns:asvg="http://schemas.microsoft.com/office/drawing/2016/SVG/main" r:embed="rId9"/>
+              </a:ext>
+            </a:extLst>
+          </a:blip>
+          <a:stretch>
+            <a:fillRect/>
+          </a:stretch>
+        </p:blipFill>
+        <p:spPr>
+          <a:xfrm>
+            <a:off x="1247180" y="7593029"/>
+            <a:ext cx="914400" cy="914400"/>
+          </a:xfrm>
+          <a:prstGeom prst="rect">
+            <a:avLst/>
+          </a:prstGeom>
+        </p:spPr>
+      </p:pic>
     </p:spTree>
     <p:extLst>
       <p:ext uri="{BB962C8B-B14F-4D97-AF65-F5344CB8AC3E}">
@@ -7333,45 +7170,6 @@
       </p:sp>
       <p:grpSp>
         <p:nvGrpSpPr>
-          <p:cNvPr id="1002" name="그룹 1002"/>
-          <p:cNvGrpSpPr/>
-          <p:nvPr/>
-        </p:nvGrpSpPr>
-        <p:grpSpPr>
-          <a:xfrm>
-            <a:off x="1410199" y="1581886"/>
-            <a:ext cx="752757" cy="703828"/>
-            <a:chOff x="1410199" y="1581886"/>
-            <a:chExt cx="752757" cy="703828"/>
-          </a:xfrm>
-        </p:grpSpPr>
-        <p:pic>
-          <p:nvPicPr>
-            <p:cNvPr id="8" name="Object 7"/>
-            <p:cNvPicPr>
-              <a:picLocks noChangeAspect="1"/>
-            </p:cNvPicPr>
-            <p:nvPr/>
-          </p:nvPicPr>
-          <p:blipFill>
-            <a:blip r:embed="rId3" cstate="print"/>
-            <a:stretch>
-              <a:fillRect/>
-            </a:stretch>
-          </p:blipFill>
-          <p:spPr>
-            <a:xfrm rot="-10800000">
-              <a:off x="1410199" y="1581886"/>
-              <a:ext cx="752757" cy="703828"/>
-            </a:xfrm>
-            <a:prstGeom prst="rect">
-              <a:avLst/>
-            </a:prstGeom>
-          </p:spPr>
-        </p:pic>
-      </p:grpSp>
-      <p:grpSp>
-        <p:nvGrpSpPr>
           <p:cNvPr id="1003" name="그룹 1003"/>
           <p:cNvGrpSpPr/>
           <p:nvPr/>
@@ -7393,7 +7191,7 @@
             <p:nvPr/>
           </p:nvPicPr>
           <p:blipFill>
-            <a:blip r:embed="rId4" cstate="print"/>
+            <a:blip r:embed="rId3" cstate="print"/>
             <a:stretch>
               <a:fillRect/>
             </a:stretch>
@@ -7446,47 +7244,6 @@
       </p:sp>
       <p:sp>
         <p:nvSpPr>
-          <p:cNvPr id="15" name="Object 13">
-            <a:extLst>
-              <a:ext uri="{FF2B5EF4-FFF2-40B4-BE49-F238E27FC236}">
-                <a16:creationId xmlns:a16="http://schemas.microsoft.com/office/drawing/2014/main" id="{285295FB-5885-6A4F-88AC-A46730184FB2}"/>
-              </a:ext>
-            </a:extLst>
-          </p:cNvPr>
-          <p:cNvSpPr txBox="1"/>
-          <p:nvPr/>
-        </p:nvSpPr>
-        <p:spPr>
-          <a:xfrm>
-            <a:off x="1372104" y="5245609"/>
-            <a:ext cx="1301461" cy="1241683"/>
-          </a:xfrm>
-          <a:prstGeom prst="rect">
-            <a:avLst/>
-          </a:prstGeom>
-          <a:noFill/>
-        </p:spPr>
-        <p:txBody>
-          <a:bodyPr wrap="square" rtlCol="0"/>
-          <a:lstStyle/>
-          <a:p>
-            <a:pPr algn="just"/>
-            <a:r>
-              <a:rPr lang="en-US" sz="5300" kern="0" spc="-100" dirty="0">
-                <a:solidFill>
-                  <a:srgbClr val="595959"/>
-                </a:solidFill>
-                <a:latin typeface="Cafe24 Dangdanghae" pitchFamily="34" charset="0"/>
-                <a:cs typeface="Cafe24 Dangdanghae" pitchFamily="34" charset="0"/>
-              </a:rPr>
-              <a:t>01</a:t>
-            </a:r>
-            <a:endParaRPr lang="en-US" dirty="0"/>
-          </a:p>
-        </p:txBody>
-      </p:sp>
-      <p:sp>
-        <p:nvSpPr>
           <p:cNvPr id="16" name="Object 14">
             <a:extLst>
               <a:ext uri="{FF2B5EF4-FFF2-40B4-BE49-F238E27FC236}">
@@ -7545,47 +7302,6 @@
       </p:sp>
       <p:sp>
         <p:nvSpPr>
-          <p:cNvPr id="20" name="Object 19">
-            <a:extLst>
-              <a:ext uri="{FF2B5EF4-FFF2-40B4-BE49-F238E27FC236}">
-                <a16:creationId xmlns:a16="http://schemas.microsoft.com/office/drawing/2014/main" id="{D24F9FD1-873B-2E43-A06A-EC8FE9D0DC9D}"/>
-              </a:ext>
-            </a:extLst>
-          </p:cNvPr>
-          <p:cNvSpPr txBox="1"/>
-          <p:nvPr/>
-        </p:nvSpPr>
-        <p:spPr>
-          <a:xfrm>
-            <a:off x="8419723" y="5240845"/>
-            <a:ext cx="1301461" cy="1241683"/>
-          </a:xfrm>
-          <a:prstGeom prst="rect">
-            <a:avLst/>
-          </a:prstGeom>
-          <a:noFill/>
-        </p:spPr>
-        <p:txBody>
-          <a:bodyPr wrap="square" rtlCol="0"/>
-          <a:lstStyle/>
-          <a:p>
-            <a:pPr algn="just"/>
-            <a:r>
-              <a:rPr lang="en-US" sz="5300" kern="0" spc="-100" dirty="0">
-                <a:solidFill>
-                  <a:srgbClr val="595959"/>
-                </a:solidFill>
-                <a:latin typeface="Cafe24 Dangdanghae" pitchFamily="34" charset="0"/>
-                <a:cs typeface="Cafe24 Dangdanghae" pitchFamily="34" charset="0"/>
-              </a:rPr>
-              <a:t>02</a:t>
-            </a:r>
-            <a:endParaRPr lang="en-US" dirty="0"/>
-          </a:p>
-        </p:txBody>
-      </p:sp>
-      <p:sp>
-        <p:nvSpPr>
           <p:cNvPr id="21" name="Object 20">
             <a:extLst>
               <a:ext uri="{FF2B5EF4-FFF2-40B4-BE49-F238E27FC236}">
@@ -7644,47 +7360,6 @@
       </p:sp>
       <p:sp>
         <p:nvSpPr>
-          <p:cNvPr id="17" name="Object 19">
-            <a:extLst>
-              <a:ext uri="{FF2B5EF4-FFF2-40B4-BE49-F238E27FC236}">
-                <a16:creationId xmlns:a16="http://schemas.microsoft.com/office/drawing/2014/main" id="{27173F3A-B74E-F847-B079-54DD89310FCD}"/>
-              </a:ext>
-            </a:extLst>
-          </p:cNvPr>
-          <p:cNvSpPr txBox="1"/>
-          <p:nvPr/>
-        </p:nvSpPr>
-        <p:spPr>
-          <a:xfrm>
-            <a:off x="1372104" y="7072056"/>
-            <a:ext cx="1301461" cy="1241683"/>
-          </a:xfrm>
-          <a:prstGeom prst="rect">
-            <a:avLst/>
-          </a:prstGeom>
-          <a:noFill/>
-        </p:spPr>
-        <p:txBody>
-          <a:bodyPr wrap="square" rtlCol="0"/>
-          <a:lstStyle/>
-          <a:p>
-            <a:pPr algn="just"/>
-            <a:r>
-              <a:rPr lang="en-US" sz="5300" kern="0" spc="-100" dirty="0">
-                <a:solidFill>
-                  <a:srgbClr val="595959"/>
-                </a:solidFill>
-                <a:latin typeface="Cafe24 Dangdanghae" pitchFamily="34" charset="0"/>
-                <a:cs typeface="Cafe24 Dangdanghae" pitchFamily="34" charset="0"/>
-              </a:rPr>
-              <a:t>02</a:t>
-            </a:r>
-            <a:endParaRPr lang="en-US" dirty="0"/>
-          </a:p>
-        </p:txBody>
-      </p:sp>
-      <p:sp>
-        <p:nvSpPr>
           <p:cNvPr id="18" name="Object 20">
             <a:extLst>
               <a:ext uri="{FF2B5EF4-FFF2-40B4-BE49-F238E27FC236}">
@@ -7725,57 +7400,6 @@
       </p:sp>
       <p:sp>
         <p:nvSpPr>
-          <p:cNvPr id="19" name="Object 19">
-            <a:extLst>
-              <a:ext uri="{FF2B5EF4-FFF2-40B4-BE49-F238E27FC236}">
-                <a16:creationId xmlns:a16="http://schemas.microsoft.com/office/drawing/2014/main" id="{733D330F-99CE-9547-831F-F37D239052D6}"/>
-              </a:ext>
-            </a:extLst>
-          </p:cNvPr>
-          <p:cNvSpPr txBox="1"/>
-          <p:nvPr/>
-        </p:nvSpPr>
-        <p:spPr>
-          <a:xfrm>
-            <a:off x="8419236" y="7221201"/>
-            <a:ext cx="1301461" cy="1241683"/>
-          </a:xfrm>
-          <a:prstGeom prst="rect">
-            <a:avLst/>
-          </a:prstGeom>
-          <a:noFill/>
-        </p:spPr>
-        <p:txBody>
-          <a:bodyPr wrap="square" rtlCol="0"/>
-          <a:lstStyle/>
-          <a:p>
-            <a:pPr algn="just"/>
-            <a:r>
-              <a:rPr lang="en-US" sz="5300" kern="0" spc="-100" dirty="0">
-                <a:solidFill>
-                  <a:srgbClr val="595959"/>
-                </a:solidFill>
-                <a:latin typeface="Cafe24 Dangdanghae" pitchFamily="34" charset="0"/>
-                <a:cs typeface="Cafe24 Dangdanghae" pitchFamily="34" charset="0"/>
-              </a:rPr>
-              <a:t>0</a:t>
-            </a:r>
-            <a:r>
-              <a:rPr lang="en-US" altLang="ko-KR" sz="5300" kern="0" spc="-100" dirty="0">
-                <a:solidFill>
-                  <a:srgbClr val="595959"/>
-                </a:solidFill>
-                <a:latin typeface="Cafe24 Dangdanghae" pitchFamily="34" charset="0"/>
-                <a:cs typeface="Cafe24 Dangdanghae" pitchFamily="34" charset="0"/>
-              </a:rPr>
-              <a:t>4</a:t>
-            </a:r>
-            <a:endParaRPr lang="en-US" dirty="0"/>
-          </a:p>
-        </p:txBody>
-      </p:sp>
-      <p:sp>
-        <p:nvSpPr>
           <p:cNvPr id="22" name="Object 20">
             <a:extLst>
               <a:ext uri="{FF2B5EF4-FFF2-40B4-BE49-F238E27FC236}">
@@ -7814,6 +7438,162 @@
           </a:p>
         </p:txBody>
       </p:sp>
+      <p:pic>
+        <p:nvPicPr>
+          <p:cNvPr id="4" name="그래픽 3" descr="재택 근무 단색으로 채워진">
+            <a:extLst>
+              <a:ext uri="{FF2B5EF4-FFF2-40B4-BE49-F238E27FC236}">
+                <a16:creationId xmlns:a16="http://schemas.microsoft.com/office/drawing/2014/main" id="{60463AD5-6D4E-814C-A81C-6A4AF59A9A2D}"/>
+              </a:ext>
+            </a:extLst>
+          </p:cNvPr>
+          <p:cNvPicPr>
+            <a:picLocks noChangeAspect="1"/>
+          </p:cNvPicPr>
+          <p:nvPr/>
+        </p:nvPicPr>
+        <p:blipFill>
+          <a:blip r:embed="rId4">
+            <a:extLst>
+              <a:ext uri="{28A0092B-C50C-407E-A947-70E740481C1C}">
+                <a14:useLocalDpi xmlns:a14="http://schemas.microsoft.com/office/drawing/2010/main" val="0"/>
+              </a:ext>
+              <a:ext uri="{96DAC541-7B7A-43D3-8B79-37D633B846F1}">
+                <asvg:svgBlip xmlns:asvg="http://schemas.microsoft.com/office/drawing/2016/SVG/main" r:embed="rId5"/>
+              </a:ext>
+            </a:extLst>
+          </a:blip>
+          <a:stretch>
+            <a:fillRect/>
+          </a:stretch>
+        </p:blipFill>
+        <p:spPr>
+          <a:xfrm>
+            <a:off x="1404761" y="5450989"/>
+            <a:ext cx="914400" cy="914400"/>
+          </a:xfrm>
+          <a:prstGeom prst="rect">
+            <a:avLst/>
+          </a:prstGeom>
+        </p:spPr>
+      </p:pic>
+      <p:pic>
+        <p:nvPicPr>
+          <p:cNvPr id="9" name="그래픽 8" descr="사용자 네트워크 윤곽선">
+            <a:extLst>
+              <a:ext uri="{FF2B5EF4-FFF2-40B4-BE49-F238E27FC236}">
+                <a16:creationId xmlns:a16="http://schemas.microsoft.com/office/drawing/2014/main" id="{AF55E5FF-0E35-1F4F-8F77-F70446FF4C55}"/>
+              </a:ext>
+            </a:extLst>
+          </p:cNvPr>
+          <p:cNvPicPr>
+            <a:picLocks noChangeAspect="1"/>
+          </p:cNvPicPr>
+          <p:nvPr/>
+        </p:nvPicPr>
+        <p:blipFill>
+          <a:blip r:embed="rId6">
+            <a:extLst>
+              <a:ext uri="{28A0092B-C50C-407E-A947-70E740481C1C}">
+                <a14:useLocalDpi xmlns:a14="http://schemas.microsoft.com/office/drawing/2010/main" val="0"/>
+              </a:ext>
+              <a:ext uri="{96DAC541-7B7A-43D3-8B79-37D633B846F1}">
+                <asvg:svgBlip xmlns:asvg="http://schemas.microsoft.com/office/drawing/2016/SVG/main" r:embed="rId7"/>
+              </a:ext>
+            </a:extLst>
+          </a:blip>
+          <a:stretch>
+            <a:fillRect/>
+          </a:stretch>
+        </p:blipFill>
+        <p:spPr>
+          <a:xfrm>
+            <a:off x="8457029" y="5503699"/>
+            <a:ext cx="914400" cy="914400"/>
+          </a:xfrm>
+          <a:prstGeom prst="rect">
+            <a:avLst/>
+          </a:prstGeom>
+        </p:spPr>
+      </p:pic>
+      <p:pic>
+        <p:nvPicPr>
+          <p:cNvPr id="11" name="그래픽 10" descr="마티니 단색으로 채워진">
+            <a:extLst>
+              <a:ext uri="{FF2B5EF4-FFF2-40B4-BE49-F238E27FC236}">
+                <a16:creationId xmlns:a16="http://schemas.microsoft.com/office/drawing/2014/main" id="{CE928F05-EDE6-C342-A285-4AFA687D241F}"/>
+              </a:ext>
+            </a:extLst>
+          </p:cNvPr>
+          <p:cNvPicPr>
+            <a:picLocks noChangeAspect="1"/>
+          </p:cNvPicPr>
+          <p:nvPr/>
+        </p:nvPicPr>
+        <p:blipFill>
+          <a:blip r:embed="rId8">
+            <a:extLst>
+              <a:ext uri="{28A0092B-C50C-407E-A947-70E740481C1C}">
+                <a14:useLocalDpi xmlns:a14="http://schemas.microsoft.com/office/drawing/2010/main" val="0"/>
+              </a:ext>
+              <a:ext uri="{96DAC541-7B7A-43D3-8B79-37D633B846F1}">
+                <asvg:svgBlip xmlns:asvg="http://schemas.microsoft.com/office/drawing/2016/SVG/main" r:embed="rId9"/>
+              </a:ext>
+            </a:extLst>
+          </a:blip>
+          <a:stretch>
+            <a:fillRect/>
+          </a:stretch>
+        </p:blipFill>
+        <p:spPr>
+          <a:xfrm>
+            <a:off x="8457029" y="7298895"/>
+            <a:ext cx="914400" cy="914400"/>
+          </a:xfrm>
+          <a:prstGeom prst="rect">
+            <a:avLst/>
+          </a:prstGeom>
+        </p:spPr>
+      </p:pic>
+      <p:pic>
+        <p:nvPicPr>
+          <p:cNvPr id="23" name="그래픽 22" descr="배지 물음표 단색으로 채워진">
+            <a:extLst>
+              <a:ext uri="{FF2B5EF4-FFF2-40B4-BE49-F238E27FC236}">
+                <a16:creationId xmlns:a16="http://schemas.microsoft.com/office/drawing/2014/main" id="{347EA23B-7447-B84D-BD1B-FDA30AB6E89E}"/>
+              </a:ext>
+            </a:extLst>
+          </p:cNvPr>
+          <p:cNvPicPr>
+            <a:picLocks noChangeAspect="1"/>
+          </p:cNvPicPr>
+          <p:nvPr/>
+        </p:nvPicPr>
+        <p:blipFill>
+          <a:blip r:embed="rId10">
+            <a:extLst>
+              <a:ext uri="{28A0092B-C50C-407E-A947-70E740481C1C}">
+                <a14:useLocalDpi xmlns:a14="http://schemas.microsoft.com/office/drawing/2010/main" val="0"/>
+              </a:ext>
+              <a:ext uri="{96DAC541-7B7A-43D3-8B79-37D633B846F1}">
+                <asvg:svgBlip xmlns:asvg="http://schemas.microsoft.com/office/drawing/2016/SVG/main" r:embed="rId11"/>
+              </a:ext>
+            </a:extLst>
+          </a:blip>
+          <a:stretch>
+            <a:fillRect/>
+          </a:stretch>
+        </p:blipFill>
+        <p:spPr>
+          <a:xfrm>
+            <a:off x="1404761" y="7214391"/>
+            <a:ext cx="914400" cy="914400"/>
+          </a:xfrm>
+          <a:prstGeom prst="rect">
+            <a:avLst/>
+          </a:prstGeom>
+        </p:spPr>
+      </p:pic>
     </p:spTree>
     <p:extLst>
       <p:ext uri="{BB962C8B-B14F-4D97-AF65-F5344CB8AC3E}">
@@ -7994,51 +7774,6 @@
       </p:sp>
       <p:sp>
         <p:nvSpPr>
-          <p:cNvPr id="10" name="Object 10"/>
-          <p:cNvSpPr txBox="1"/>
-          <p:nvPr/>
-        </p:nvSpPr>
-        <p:spPr>
-          <a:xfrm>
-            <a:off x="1353056" y="2071360"/>
-            <a:ext cx="4598987" cy="4763456"/>
-          </a:xfrm>
-          <a:prstGeom prst="rect">
-            <a:avLst/>
-          </a:prstGeom>
-          <a:noFill/>
-        </p:spPr>
-        <p:txBody>
-          <a:bodyPr wrap="square" rtlCol="0"/>
-          <a:lstStyle/>
-          <a:p>
-            <a:pPr algn="just"/>
-            <a:r>
-              <a:rPr lang="en-US" sz="20300" dirty="0">
-                <a:solidFill>
-                  <a:srgbClr val="595959"/>
-                </a:solidFill>
-                <a:latin typeface="Cafe24 Dangdanghae" pitchFamily="34" charset="0"/>
-                <a:cs typeface="Cafe24 Dangdanghae" pitchFamily="34" charset="0"/>
-              </a:rPr>
-              <a:t>0</a:t>
-            </a:r>
-            <a:r>
-              <a:rPr lang="en-US" altLang="ko-KR" sz="20300" dirty="0">
-                <a:solidFill>
-                  <a:srgbClr val="595959"/>
-                </a:solidFill>
-                <a:latin typeface="Cafe24 Dangdanghae" pitchFamily="34" charset="0"/>
-                <a:cs typeface="Cafe24 Dangdanghae" pitchFamily="34" charset="0"/>
-              </a:rPr>
-              <a:t>4</a:t>
-            </a:r>
-            <a:endParaRPr lang="en-US" dirty="0"/>
-          </a:p>
-        </p:txBody>
-      </p:sp>
-      <p:sp>
-        <p:nvSpPr>
           <p:cNvPr id="11" name="Object 11"/>
           <p:cNvSpPr txBox="1"/>
           <p:nvPr/>
@@ -8198,6 +7933,45 @@
           </a:p>
         </p:txBody>
       </p:sp>
+      <p:pic>
+        <p:nvPicPr>
+          <p:cNvPr id="4" name="그래픽 3" descr="목표 대상 그룹 단색으로 채워진">
+            <a:extLst>
+              <a:ext uri="{FF2B5EF4-FFF2-40B4-BE49-F238E27FC236}">
+                <a16:creationId xmlns:a16="http://schemas.microsoft.com/office/drawing/2014/main" id="{A9755A36-5A3B-A148-AEF4-A5D04412AC7D}"/>
+              </a:ext>
+            </a:extLst>
+          </p:cNvPr>
+          <p:cNvPicPr>
+            <a:picLocks noChangeAspect="1"/>
+          </p:cNvPicPr>
+          <p:nvPr/>
+        </p:nvPicPr>
+        <p:blipFill>
+          <a:blip r:embed="rId5">
+            <a:extLst>
+              <a:ext uri="{28A0092B-C50C-407E-A947-70E740481C1C}">
+                <a14:useLocalDpi xmlns:a14="http://schemas.microsoft.com/office/drawing/2010/main" val="0"/>
+              </a:ext>
+              <a:ext uri="{96DAC541-7B7A-43D3-8B79-37D633B846F1}">
+                <asvg:svgBlip xmlns:asvg="http://schemas.microsoft.com/office/drawing/2016/SVG/main" r:embed="rId6"/>
+              </a:ext>
+            </a:extLst>
+          </a:blip>
+          <a:stretch>
+            <a:fillRect/>
+          </a:stretch>
+        </p:blipFill>
+        <p:spPr>
+          <a:xfrm>
+            <a:off x="1372104" y="3259277"/>
+            <a:ext cx="1648420" cy="1884223"/>
+          </a:xfrm>
+          <a:prstGeom prst="rect">
+            <a:avLst/>
+          </a:prstGeom>
+        </p:spPr>
+      </p:pic>
     </p:spTree>
     <p:extLst>
       <p:ext uri="{BB962C8B-B14F-4D97-AF65-F5344CB8AC3E}">
@@ -8230,10 +8004,10 @@
       </p:grpSpPr>
       <p:pic>
         <p:nvPicPr>
-          <p:cNvPr id="6" name="그림 5">
+          <p:cNvPr id="13" name="그림 12">
             <a:extLst>
               <a:ext uri="{FF2B5EF4-FFF2-40B4-BE49-F238E27FC236}">
-                <a16:creationId xmlns:a16="http://schemas.microsoft.com/office/drawing/2014/main" id="{E6907D68-2B43-9443-BEFF-860634F4D451}"/>
+                <a16:creationId xmlns:a16="http://schemas.microsoft.com/office/drawing/2014/main" id="{F4068094-0E28-BF44-BB62-E321EB59C676}"/>
               </a:ext>
             </a:extLst>
           </p:cNvPr>
@@ -8256,8 +8030,8 @@
         </p:blipFill>
         <p:spPr>
           <a:xfrm>
-            <a:off x="1981200" y="4455625"/>
-            <a:ext cx="10287000" cy="4622801"/>
+            <a:off x="6663477" y="342900"/>
+            <a:ext cx="10287000" cy="4476602"/>
           </a:xfrm>
           <a:prstGeom prst="rect">
             <a:avLst/>
@@ -8266,10 +8040,10 @@
       </p:pic>
       <p:pic>
         <p:nvPicPr>
-          <p:cNvPr id="13" name="그림 12">
+          <p:cNvPr id="6" name="그림 5">
             <a:extLst>
               <a:ext uri="{FF2B5EF4-FFF2-40B4-BE49-F238E27FC236}">
-                <a16:creationId xmlns:a16="http://schemas.microsoft.com/office/drawing/2014/main" id="{F4068094-0E28-BF44-BB62-E321EB59C676}"/>
+                <a16:creationId xmlns:a16="http://schemas.microsoft.com/office/drawing/2014/main" id="{E6907D68-2B43-9443-BEFF-860634F4D451}"/>
               </a:ext>
             </a:extLst>
           </p:cNvPr>
@@ -8292,8 +8066,8 @@
         </p:blipFill>
         <p:spPr>
           <a:xfrm>
-            <a:off x="6663477" y="342900"/>
-            <a:ext cx="10287000" cy="4476602"/>
+            <a:off x="1981200" y="4455625"/>
+            <a:ext cx="10287000" cy="4622801"/>
           </a:xfrm>
           <a:prstGeom prst="rect">
             <a:avLst/>
@@ -8462,7 +8236,7 @@
         </p:nvSpPr>
         <p:spPr>
           <a:xfrm>
-            <a:off x="9900141" y="6751337"/>
+            <a:off x="10251437" y="5891147"/>
             <a:ext cx="6332183" cy="1477328"/>
           </a:xfrm>
           <a:prstGeom prst="rect">
@@ -8478,7 +8252,7 @@
           <a:p>
             <a:r>
               <a:rPr kumimoji="1" lang="ko-KR" altLang="en-US" dirty="0"/>
-              <a:t>참여자의 </a:t>
+              <a:t>*참여자의 </a:t>
             </a:r>
             <a:r>
               <a:rPr kumimoji="1" lang="ko-KR" altLang="en-US" dirty="0" err="1"/>
@@ -8532,7 +8306,97 @@
               <a:rPr kumimoji="1" lang="ko-KR" altLang="en-US" dirty="0"/>
               <a:t> 문화가 늘었다고 볼 수 있음</a:t>
             </a:r>
-            <a:endParaRPr kumimoji="1" lang="en-US" altLang="ko-KR" dirty="0"/>
+            <a:r>
+              <a:rPr kumimoji="1" lang="en-US" altLang="ko-KR" dirty="0"/>
+              <a:t>(</a:t>
+            </a:r>
+            <a:r>
+              <a:rPr kumimoji="1" lang="ko-KR" altLang="en-US" dirty="0"/>
+              <a:t>대사</a:t>
+            </a:r>
+            <a:r>
+              <a:rPr kumimoji="1" lang="en-US" altLang="ko-KR" dirty="0"/>
+              <a:t>)</a:t>
+            </a:r>
+          </a:p>
+        </p:txBody>
+      </p:sp>
+      <p:pic>
+        <p:nvPicPr>
+          <p:cNvPr id="8" name="그래픽 7" descr="샴페인잔 윤곽선">
+            <a:extLst>
+              <a:ext uri="{FF2B5EF4-FFF2-40B4-BE49-F238E27FC236}">
+                <a16:creationId xmlns:a16="http://schemas.microsoft.com/office/drawing/2014/main" id="{71CE70A3-8E6B-9947-A611-A7E315317485}"/>
+              </a:ext>
+            </a:extLst>
+          </p:cNvPr>
+          <p:cNvPicPr>
+            <a:picLocks noChangeAspect="1"/>
+          </p:cNvPicPr>
+          <p:nvPr/>
+        </p:nvPicPr>
+        <p:blipFill>
+          <a:blip r:embed="rId6">
+            <a:extLst>
+              <a:ext uri="{28A0092B-C50C-407E-A947-70E740481C1C}">
+                <a14:useLocalDpi xmlns:a14="http://schemas.microsoft.com/office/drawing/2010/main" val="0"/>
+              </a:ext>
+              <a:ext uri="{96DAC541-7B7A-43D3-8B79-37D633B846F1}">
+                <asvg:svgBlip xmlns:asvg="http://schemas.microsoft.com/office/drawing/2016/SVG/main" r:embed="rId7"/>
+              </a:ext>
+            </a:extLst>
+          </a:blip>
+          <a:stretch>
+            <a:fillRect/>
+          </a:stretch>
+        </p:blipFill>
+        <p:spPr>
+          <a:xfrm>
+            <a:off x="10765894" y="7717475"/>
+            <a:ext cx="914400" cy="914400"/>
+          </a:xfrm>
+          <a:prstGeom prst="rect">
+            <a:avLst/>
+          </a:prstGeom>
+        </p:spPr>
+      </p:pic>
+      <p:sp>
+        <p:nvSpPr>
+          <p:cNvPr id="9" name="TextBox 8">
+            <a:extLst>
+              <a:ext uri="{FF2B5EF4-FFF2-40B4-BE49-F238E27FC236}">
+                <a16:creationId xmlns:a16="http://schemas.microsoft.com/office/drawing/2014/main" id="{200008C9-19D4-4144-8271-C2A08F510CB3}"/>
+              </a:ext>
+            </a:extLst>
+          </p:cNvPr>
+          <p:cNvSpPr txBox="1"/>
+          <p:nvPr/>
+        </p:nvSpPr>
+        <p:spPr>
+          <a:xfrm>
+            <a:off x="11680294" y="7985544"/>
+            <a:ext cx="3712106" cy="646331"/>
+          </a:xfrm>
+          <a:prstGeom prst="rect">
+            <a:avLst/>
+          </a:prstGeom>
+          <a:noFill/>
+        </p:spPr>
+        <p:txBody>
+          <a:bodyPr wrap="square" rtlCol="0">
+            <a:spAutoFit/>
+          </a:bodyPr>
+          <a:lstStyle/>
+          <a:p>
+            <a:r>
+              <a:rPr kumimoji="1" lang="ko-Kore-KR" altLang="en-US" sz="3600" dirty="0"/>
+              <a:t>집술</a:t>
+            </a:r>
+            <a:r>
+              <a:rPr kumimoji="1" lang="ko-KR" altLang="en-US" sz="3600" dirty="0"/>
+              <a:t> 문화의 증가</a:t>
+            </a:r>
+            <a:endParaRPr kumimoji="1" lang="ko-Kore-KR" altLang="en-US" sz="3600" dirty="0"/>
           </a:p>
         </p:txBody>
       </p:sp>
@@ -8836,7 +8700,7 @@
         </p:nvSpPr>
         <p:spPr>
           <a:xfrm>
-            <a:off x="11341225" y="7316321"/>
+            <a:off x="11978765" y="6172142"/>
             <a:ext cx="4267200" cy="2308324"/>
           </a:xfrm>
           <a:prstGeom prst="rect">
@@ -8903,17 +8767,108 @@
           </a:p>
           <a:p>
             <a:r>
+              <a:rPr kumimoji="1" lang="ko-KR" altLang="en-US" dirty="0"/>
+              <a:t>칵테일 레시피에 대한 수요</a:t>
+            </a:r>
+            <a:r>
               <a:rPr kumimoji="1" lang="en-US" altLang="ko-KR" dirty="0"/>
-              <a:t>=</a:t>
+              <a:t>(</a:t>
             </a:r>
             <a:r>
               <a:rPr kumimoji="1" lang="ko-KR" altLang="en-US" dirty="0"/>
-              <a:t>  칵테일 레시피에 대한 수요가 있다</a:t>
+              <a:t>대사</a:t>
+            </a:r>
+            <a:r>
+              <a:rPr kumimoji="1" lang="en-US" altLang="ko-KR" dirty="0"/>
+              <a:t>)</a:t>
             </a:r>
             <a:endParaRPr kumimoji="1" lang="en-US" altLang="ko-Kore-KR" dirty="0"/>
           </a:p>
           <a:p>
             <a:endParaRPr kumimoji="1" lang="ko-Kore-KR" altLang="en-US" dirty="0"/>
+          </a:p>
+        </p:txBody>
+      </p:sp>
+      <p:pic>
+        <p:nvPicPr>
+          <p:cNvPr id="4" name="그래픽 3" descr="상향 추세 단색으로 채워진">
+            <a:extLst>
+              <a:ext uri="{FF2B5EF4-FFF2-40B4-BE49-F238E27FC236}">
+                <a16:creationId xmlns:a16="http://schemas.microsoft.com/office/drawing/2014/main" id="{6C4458BB-5153-FE41-B32B-EE3BE823BE75}"/>
+              </a:ext>
+            </a:extLst>
+          </p:cNvPr>
+          <p:cNvPicPr>
+            <a:picLocks noChangeAspect="1"/>
+          </p:cNvPicPr>
+          <p:nvPr/>
+        </p:nvPicPr>
+        <p:blipFill>
+          <a:blip r:embed="rId7">
+            <a:extLst>
+              <a:ext uri="{28A0092B-C50C-407E-A947-70E740481C1C}">
+                <a14:useLocalDpi xmlns:a14="http://schemas.microsoft.com/office/drawing/2010/main" val="0"/>
+              </a:ext>
+              <a:ext uri="{96DAC541-7B7A-43D3-8B79-37D633B846F1}">
+                <asvg:svgBlip xmlns:asvg="http://schemas.microsoft.com/office/drawing/2016/SVG/main" r:embed="rId8"/>
+              </a:ext>
+            </a:extLst>
+          </a:blip>
+          <a:stretch>
+            <a:fillRect/>
+          </a:stretch>
+        </p:blipFill>
+        <p:spPr>
+          <a:xfrm>
+            <a:off x="8686800" y="8508627"/>
+            <a:ext cx="914400" cy="914400"/>
+          </a:xfrm>
+          <a:prstGeom prst="rect">
+            <a:avLst/>
+          </a:prstGeom>
+        </p:spPr>
+      </p:pic>
+      <p:sp>
+        <p:nvSpPr>
+          <p:cNvPr id="7" name="TextBox 6">
+            <a:extLst>
+              <a:ext uri="{FF2B5EF4-FFF2-40B4-BE49-F238E27FC236}">
+                <a16:creationId xmlns:a16="http://schemas.microsoft.com/office/drawing/2014/main" id="{7C9463D8-7B84-7743-A2FC-141E246B30D4}"/>
+              </a:ext>
+            </a:extLst>
+          </p:cNvPr>
+          <p:cNvSpPr txBox="1"/>
+          <p:nvPr/>
+        </p:nvSpPr>
+        <p:spPr>
+          <a:xfrm>
+            <a:off x="9601200" y="8678354"/>
+            <a:ext cx="6525220" cy="646331"/>
+          </a:xfrm>
+          <a:prstGeom prst="rect">
+            <a:avLst/>
+          </a:prstGeom>
+          <a:noFill/>
+        </p:spPr>
+        <p:txBody>
+          <a:bodyPr wrap="square" rtlCol="0">
+            <a:spAutoFit/>
+          </a:bodyPr>
+          <a:lstStyle/>
+          <a:p>
+            <a:r>
+              <a:rPr kumimoji="1" lang="ko-Kore-KR" altLang="en-US" sz="3600" dirty="0"/>
+              <a:t>칵테일</a:t>
+            </a:r>
+            <a:r>
+              <a:rPr kumimoji="1" lang="ko-KR" altLang="en-US" sz="3600" dirty="0"/>
+              <a:t> 레시피에 대한 </a:t>
+            </a:r>
+            <a:r>
+              <a:rPr kumimoji="1" lang="ko-KR" altLang="en-US" sz="3600" dirty="0" err="1"/>
+              <a:t>수요확인</a:t>
+            </a:r>
+            <a:endParaRPr kumimoji="1" lang="ko-Kore-KR" altLang="en-US" sz="3600" dirty="0"/>
           </a:p>
         </p:txBody>
       </p:sp>
@@ -9217,7 +9172,7 @@
         </p:nvSpPr>
         <p:spPr>
           <a:xfrm>
-            <a:off x="690107" y="7077238"/>
+            <a:off x="762855" y="6630888"/>
             <a:ext cx="7806945" cy="2031325"/>
           </a:xfrm>
           <a:prstGeom prst="rect">
@@ -9305,10 +9260,101 @@
               <a:rPr kumimoji="1" lang="ko-KR" altLang="en-US" dirty="0"/>
               <a:t> 시장성 충분</a:t>
             </a:r>
+            <a:r>
+              <a:rPr kumimoji="1" lang="en-US" altLang="ko-KR" dirty="0"/>
+              <a:t>(</a:t>
+            </a:r>
+            <a:r>
+              <a:rPr kumimoji="1" lang="ko-KR" altLang="en-US" dirty="0"/>
+              <a:t>대사</a:t>
+            </a:r>
+            <a:r>
+              <a:rPr kumimoji="1" lang="en-US" altLang="ko-KR" dirty="0"/>
+              <a:t>)</a:t>
+            </a:r>
             <a:endParaRPr kumimoji="1" lang="ko-Kore-KR" altLang="en-US" dirty="0"/>
           </a:p>
         </p:txBody>
       </p:sp>
+      <p:sp>
+        <p:nvSpPr>
+          <p:cNvPr id="2" name="TextBox 1">
+            <a:extLst>
+              <a:ext uri="{FF2B5EF4-FFF2-40B4-BE49-F238E27FC236}">
+                <a16:creationId xmlns:a16="http://schemas.microsoft.com/office/drawing/2014/main" id="{823691E4-6FF0-AA4A-8DAA-E7BD65BD8113}"/>
+              </a:ext>
+            </a:extLst>
+          </p:cNvPr>
+          <p:cNvSpPr txBox="1"/>
+          <p:nvPr/>
+        </p:nvSpPr>
+        <p:spPr>
+          <a:xfrm>
+            <a:off x="2286000" y="9071702"/>
+            <a:ext cx="4876800" cy="646331"/>
+          </a:xfrm>
+          <a:prstGeom prst="rect">
+            <a:avLst/>
+          </a:prstGeom>
+          <a:noFill/>
+        </p:spPr>
+        <p:txBody>
+          <a:bodyPr wrap="square" rtlCol="0">
+            <a:spAutoFit/>
+          </a:bodyPr>
+          <a:lstStyle/>
+          <a:p>
+            <a:r>
+              <a:rPr kumimoji="1" lang="ko-Kore-KR" altLang="en-US" sz="3600" dirty="0"/>
+              <a:t>시장성</a:t>
+            </a:r>
+            <a:r>
+              <a:rPr kumimoji="1" lang="ko-KR" altLang="en-US" sz="3600" dirty="0"/>
+              <a:t> 충분</a:t>
+            </a:r>
+            <a:endParaRPr kumimoji="1" lang="ko-Kore-KR" altLang="en-US" sz="3600" dirty="0"/>
+          </a:p>
+        </p:txBody>
+      </p:sp>
+      <p:pic>
+        <p:nvPicPr>
+          <p:cNvPr id="7" name="그래픽 6" descr="상점 윤곽선">
+            <a:extLst>
+              <a:ext uri="{FF2B5EF4-FFF2-40B4-BE49-F238E27FC236}">
+                <a16:creationId xmlns:a16="http://schemas.microsoft.com/office/drawing/2014/main" id="{6311B8CF-BF70-E048-8779-75B26C0DA520}"/>
+              </a:ext>
+            </a:extLst>
+          </p:cNvPr>
+          <p:cNvPicPr>
+            <a:picLocks noChangeAspect="1"/>
+          </p:cNvPicPr>
+          <p:nvPr/>
+        </p:nvPicPr>
+        <p:blipFill>
+          <a:blip r:embed="rId7">
+            <a:extLst>
+              <a:ext uri="{28A0092B-C50C-407E-A947-70E740481C1C}">
+                <a14:useLocalDpi xmlns:a14="http://schemas.microsoft.com/office/drawing/2010/main" val="0"/>
+              </a:ext>
+              <a:ext uri="{96DAC541-7B7A-43D3-8B79-37D633B846F1}">
+                <asvg:svgBlip xmlns:asvg="http://schemas.microsoft.com/office/drawing/2016/SVG/main" r:embed="rId8"/>
+              </a:ext>
+            </a:extLst>
+          </a:blip>
+          <a:stretch>
+            <a:fillRect/>
+          </a:stretch>
+        </p:blipFill>
+        <p:spPr>
+          <a:xfrm>
+            <a:off x="1371600" y="8855717"/>
+            <a:ext cx="914400" cy="914400"/>
+          </a:xfrm>
+          <a:prstGeom prst="rect">
+            <a:avLst/>
+          </a:prstGeom>
+        </p:spPr>
+      </p:pic>
     </p:spTree>
     <p:extLst>
       <p:ext uri="{BB962C8B-B14F-4D97-AF65-F5344CB8AC3E}">
